--- a/Week_05_DRY/09_Lab_Session/arrays/slides/arrays.pptx
+++ b/Week_05_DRY/09_Lab_Session/arrays/slides/arrays.pptx
@@ -9,8 +9,10 @@
     <p:sldId id="258" r:id="rId3"/>
     <p:sldId id="259" r:id="rId4"/>
     <p:sldId id="260" r:id="rId5"/>
-    <p:sldId id="265" r:id="rId6"/>
-    <p:sldId id="264" r:id="rId7"/>
+    <p:sldId id="266" r:id="rId6"/>
+    <p:sldId id="265" r:id="rId7"/>
+    <p:sldId id="264" r:id="rId8"/>
+    <p:sldId id="267" r:id="rId9"/>
   </p:sldIdLst>
   <p:sldSz cx="9144000" cy="6858000" type="screen4x3"/>
   <p:notesSz cx="6858000" cy="9144000"/>
@@ -2468,7 +2470,7 @@
         <p:nvSpPr>
           <p:cNvPr id="2051" name="Rectangle 2"/>
           <p:cNvSpPr>
-            <a:spLocks noChangeArrowheads="1"/>
+            <a:spLocks noGrp="1" noChangeArrowheads="1"/>
           </p:cNvSpPr>
           <p:nvPr>
             <p:ph type="body" idx="1"/>
@@ -2574,7 +2576,7 @@
         <p:nvSpPr>
           <p:cNvPr id="2052" name="Rectangle 3"/>
           <p:cNvSpPr>
-            <a:spLocks noChangeArrowheads="1"/>
+            <a:spLocks noGrp="1" noChangeArrowheads="1"/>
           </p:cNvSpPr>
           <p:nvPr>
             <p:ph type="title"/>
@@ -5395,27 +5397,23 @@
       </p:grpSpPr>
       <p:sp>
         <p:nvSpPr>
-          <p:cNvPr id="2" name="Title 1"/>
+          <p:cNvPr id="7" name="Title 6"/>
           <p:cNvSpPr>
             <a:spLocks noGrp="1"/>
           </p:cNvSpPr>
           <p:nvPr>
-            <p:ph type="title"/>
+            <p:ph type="ctrTitle"/>
           </p:nvPr>
         </p:nvSpPr>
-        <p:spPr>
-          <a:xfrm>
-            <a:off x="446503" y="510209"/>
-            <a:ext cx="8247894" cy="1242391"/>
-          </a:xfrm>
-        </p:spPr>
+        <p:spPr/>
         <p:txBody>
           <a:bodyPr/>
           <a:lstStyle/>
           <a:p>
+            <a:pPr algn="ctr"/>
             <a:r>
               <a:rPr lang="en-US" dirty="0" smtClean="0"/>
-              <a:t>Iterate over elements in array</a:t>
+              <a:t>Exercise</a:t>
             </a:r>
             <a:endParaRPr lang="en-US" dirty="0"/>
           </a:p>
@@ -5423,149 +5421,68 @@
       </p:sp>
       <p:sp>
         <p:nvSpPr>
-          <p:cNvPr id="3" name="Content Placeholder 2"/>
+          <p:cNvPr id="8" name="Subtitle 7"/>
           <p:cNvSpPr>
             <a:spLocks noGrp="1"/>
           </p:cNvSpPr>
           <p:nvPr>
-            <p:ph idx="1"/>
+            <p:ph type="subTitle" idx="1"/>
           </p:nvPr>
         </p:nvSpPr>
-        <p:spPr>
-          <a:xfrm>
-            <a:off x="443402" y="1600200"/>
-            <a:ext cx="8247894" cy="4727713"/>
-          </a:xfrm>
-        </p:spPr>
+        <p:spPr/>
         <p:txBody>
           <a:bodyPr/>
           <a:lstStyle/>
           <a:p>
+            <a:r>
+              <a:rPr lang="en-US" dirty="0" err="1" smtClean="0"/>
+              <a:t>COA_Arrays</a:t>
+            </a:r>
+            <a:endParaRPr lang="en-US" dirty="0"/>
+          </a:p>
+        </p:txBody>
+      </p:sp>
+      <p:sp>
+        <p:nvSpPr>
+          <p:cNvPr id="4" name="Slide Number Placeholder 3"/>
+          <p:cNvSpPr>
+            <a:spLocks noGrp="1"/>
+          </p:cNvSpPr>
+          <p:nvPr>
+            <p:ph type="sldNum" sz="quarter" idx="10"/>
+          </p:nvPr>
+        </p:nvSpPr>
+        <p:spPr/>
+        <p:txBody>
+          <a:bodyPr/>
+          <a:lstStyle/>
+          <a:p>
             <a:pPr>
-              <a:buFont typeface="Arial" panose="020B0604020202020204" pitchFamily="34" charset="0"/>
-              <a:buChar char="•"/>
+              <a:defRPr/>
             </a:pPr>
-            <a:r>
-              <a:rPr lang="en-US" dirty="0" err="1" smtClean="0"/>
-              <a:t>Array.ForEach</a:t>
-            </a:r>
-            <a:endParaRPr lang="en-US" dirty="0" smtClean="0"/>
-          </a:p>
-          <a:p>
-            <a:pPr lvl="1">
-              <a:buFont typeface="Arial" panose="020B0604020202020204" pitchFamily="34" charset="0"/>
-              <a:buChar char="•"/>
-            </a:pPr>
-            <a:r>
-              <a:rPr lang="en-US" dirty="0" smtClean="0"/>
-              <a:t>Allows you to run code using each element from the array as a value</a:t>
-            </a:r>
-          </a:p>
-          <a:p>
-            <a:r>
-              <a:rPr lang="en-US" dirty="0" smtClean="0"/>
-              <a:t>Syntax:</a:t>
-            </a:r>
-          </a:p>
-          <a:p>
-            <a:r>
-              <a:rPr lang="en-US" dirty="0" err="1" smtClean="0"/>
-              <a:t>var</a:t>
-            </a:r>
-            <a:r>
-              <a:rPr lang="en-US" dirty="0" smtClean="0"/>
-              <a:t> fruits=[“</a:t>
-            </a:r>
-            <a:r>
-              <a:rPr lang="en-US" dirty="0" err="1" smtClean="0"/>
-              <a:t>Banana”,”Apple”,”Pear</a:t>
-            </a:r>
-            <a:r>
-              <a:rPr lang="en-US" dirty="0" smtClean="0"/>
-              <a:t>”]</a:t>
-            </a:r>
-          </a:p>
-          <a:p>
-            <a:r>
-              <a:rPr lang="en-US" dirty="0" err="1" smtClean="0"/>
-              <a:t>fruits.forEach</a:t>
-            </a:r>
-            <a:r>
-              <a:rPr lang="en-US" dirty="0" smtClean="0"/>
-              <a:t>(function(</a:t>
-            </a:r>
-            <a:r>
-              <a:rPr lang="en-US" dirty="0" err="1" smtClean="0"/>
-              <a:t>element,index</a:t>
-            </a:r>
-            <a:r>
-              <a:rPr lang="en-US" dirty="0" smtClean="0"/>
-              <a:t>){</a:t>
-            </a:r>
-          </a:p>
-          <a:p>
-            <a:r>
-              <a:rPr lang="en-US" dirty="0" smtClean="0"/>
-              <a:t>	console.log(</a:t>
-            </a:r>
-            <a:r>
-              <a:rPr lang="en-US" dirty="0" err="1" smtClean="0"/>
-              <a:t>element,index</a:t>
-            </a:r>
-            <a:r>
-              <a:rPr lang="en-US" dirty="0" smtClean="0"/>
-              <a:t>);</a:t>
-            </a:r>
-            <a:endParaRPr lang="en-US" dirty="0"/>
-          </a:p>
-          <a:p>
-            <a:r>
-              <a:rPr lang="en-US" dirty="0" smtClean="0"/>
-              <a:t>});</a:t>
-            </a:r>
-          </a:p>
-          <a:p>
-            <a:endParaRPr lang="en-US" dirty="0" smtClean="0"/>
-          </a:p>
-          <a:p>
-            <a:pPr>
-              <a:buFont typeface="Arial" panose="020B0604020202020204" pitchFamily="34" charset="0"/>
-              <a:buChar char="•"/>
-            </a:pPr>
-            <a:r>
-              <a:rPr lang="en-US" dirty="0" smtClean="0"/>
-              <a:t>Element is the item from the array</a:t>
-            </a:r>
-          </a:p>
-          <a:p>
-            <a:pPr>
-              <a:buFont typeface="Arial" panose="020B0604020202020204" pitchFamily="34" charset="0"/>
-              <a:buChar char="•"/>
-            </a:pPr>
-            <a:r>
-              <a:rPr lang="en-US" dirty="0" smtClean="0"/>
-              <a:t>Index is the item’s position in the array</a:t>
-            </a:r>
-          </a:p>
-          <a:p>
-            <a:pPr>
-              <a:buFont typeface="Arial" panose="020B0604020202020204" pitchFamily="34" charset="0"/>
-              <a:buChar char="•"/>
-            </a:pPr>
-            <a:r>
-              <a:rPr lang="en-US" dirty="0" smtClean="0"/>
-              <a:t>As always, code we want to execute goes between curly braces</a:t>
-            </a:r>
-          </a:p>
-          <a:p>
-            <a:endParaRPr lang="en-US" dirty="0"/>
+            <a:fld id="{2243A137-EFED-4DC0-B593-200EA3776B5D}" type="slidenum">
+              <a:rPr lang="en-US" smtClean="0">
+                <a:solidFill>
+                  <a:srgbClr val="000000"/>
+                </a:solidFill>
+              </a:rPr>
+              <a:pPr>
+                <a:defRPr/>
+              </a:pPr>
+              <a:t>5</a:t>
+            </a:fld>
+            <a:endParaRPr lang="en-US">
+              <a:solidFill>
+                <a:srgbClr val="000000"/>
+              </a:solidFill>
+            </a:endParaRPr>
           </a:p>
         </p:txBody>
       </p:sp>
     </p:spTree>
     <p:extLst>
       <p:ext uri="{BB962C8B-B14F-4D97-AF65-F5344CB8AC3E}">
-        <p14:creationId xmlns:p14="http://schemas.microsoft.com/office/powerpoint/2010/main" val="629600505"/>
+        <p14:creationId xmlns:p14="http://schemas.microsoft.com/office/powerpoint/2010/main" val="3032598487"/>
       </p:ext>
     </p:extLst>
   </p:cSld>
@@ -5595,299 +5512,229 @@
       </p:grpSpPr>
       <p:sp>
         <p:nvSpPr>
-          <p:cNvPr id="28674" name="Line 1"/>
+          <p:cNvPr id="2" name="Title 1"/>
           <p:cNvSpPr>
-            <a:spLocks noChangeShapeType="1"/>
+            <a:spLocks noGrp="1"/>
           </p:cNvSpPr>
-          <p:nvPr/>
+          <p:nvPr>
+            <p:ph type="title"/>
+          </p:nvPr>
         </p:nvSpPr>
-        <p:spPr bwMode="auto">
+        <p:spPr>
           <a:xfrm>
-            <a:off x="446503" y="596348"/>
-            <a:ext cx="8247894" cy="0"/>
+            <a:off x="446503" y="510209"/>
+            <a:ext cx="8247894" cy="1242391"/>
           </a:xfrm>
-          <a:prstGeom prst="line">
-            <a:avLst/>
-          </a:prstGeom>
-          <a:noFill/>
-          <a:ln w="6350">
-            <a:solidFill>
-              <a:schemeClr val="tx1"/>
-            </a:solidFill>
-            <a:miter lim="800000"/>
-            <a:headEnd/>
-            <a:tailEnd/>
-          </a:ln>
-          <a:extLst>
-            <a:ext uri="{909E8E84-426E-40DD-AFC4-6F175D3DCCD1}">
-              <a14:hiddenFill xmlns:a14="http://schemas.microsoft.com/office/drawing/2010/main">
-                <a:noFill/>
-              </a14:hiddenFill>
-            </a:ext>
-          </a:extLst>
         </p:spPr>
         <p:txBody>
-          <a:bodyPr lIns="0" tIns="0" rIns="0" bIns="0"/>
+          <a:bodyPr/>
           <a:lstStyle/>
           <a:p>
-            <a:pPr algn="ctr" fontAlgn="base">
-              <a:spcBef>
-                <a:spcPct val="0"/>
-              </a:spcBef>
-              <a:spcAft>
-                <a:spcPct val="0"/>
-              </a:spcAft>
-            </a:pPr>
-            <a:endParaRPr lang="en-US" sz="4000">
-              <a:solidFill>
-                <a:srgbClr val="000000"/>
-              </a:solidFill>
-              <a:latin typeface="Gill Sans" charset="0"/>
-              <a:sym typeface="Gill Sans" charset="0"/>
-            </a:endParaRPr>
+            <a:r>
+              <a:rPr lang="en-US" dirty="0" smtClean="0"/>
+              <a:t>Iterate over elements in array</a:t>
+            </a:r>
+            <a:endParaRPr lang="en-US" dirty="0"/>
           </a:p>
         </p:txBody>
       </p:sp>
       <p:sp>
         <p:nvSpPr>
-          <p:cNvPr id="28675" name="Line 2"/>
+          <p:cNvPr id="3" name="Content Placeholder 2"/>
           <p:cNvSpPr>
-            <a:spLocks noChangeShapeType="1"/>
+            <a:spLocks noGrp="1"/>
           </p:cNvSpPr>
-          <p:nvPr/>
+          <p:nvPr>
+            <p:ph idx="1"/>
+          </p:nvPr>
         </p:nvSpPr>
-        <p:spPr bwMode="auto">
+        <p:spPr>
           <a:xfrm>
-            <a:off x="446503" y="1143000"/>
-            <a:ext cx="8247894" cy="0"/>
+            <a:off x="443402" y="1600200"/>
+            <a:ext cx="8247894" cy="4727713"/>
           </a:xfrm>
-          <a:prstGeom prst="line">
-            <a:avLst/>
-          </a:prstGeom>
-          <a:noFill/>
-          <a:ln w="6350">
-            <a:solidFill>
-              <a:schemeClr val="tx1"/>
-            </a:solidFill>
-            <a:miter lim="800000"/>
-            <a:headEnd/>
-            <a:tailEnd/>
-          </a:ln>
-          <a:extLst>
-            <a:ext uri="{909E8E84-426E-40DD-AFC4-6F175D3DCCD1}">
-              <a14:hiddenFill xmlns:a14="http://schemas.microsoft.com/office/drawing/2010/main">
-                <a:noFill/>
-              </a14:hiddenFill>
-            </a:ext>
-          </a:extLst>
         </p:spPr>
         <p:txBody>
-          <a:bodyPr lIns="0" tIns="0" rIns="0" bIns="0"/>
+          <a:bodyPr/>
           <a:lstStyle/>
           <a:p>
-            <a:pPr algn="ctr" fontAlgn="base">
-              <a:spcBef>
-                <a:spcPct val="0"/>
-              </a:spcBef>
-              <a:spcAft>
-                <a:spcPct val="0"/>
-              </a:spcAft>
+            <a:pPr>
+              <a:buFont typeface="Arial" panose="020B0604020202020204" pitchFamily="34" charset="0"/>
+              <a:buChar char="•"/>
             </a:pPr>
-            <a:endParaRPr lang="en-US" sz="4000">
-              <a:solidFill>
-                <a:srgbClr val="000000"/>
-              </a:solidFill>
-              <a:latin typeface="Gill Sans" charset="0"/>
-              <a:sym typeface="Gill Sans" charset="0"/>
-            </a:endParaRPr>
+            <a:r>
+              <a:rPr lang="en-US" dirty="0" err="1" smtClean="0"/>
+              <a:t>Array.ForEach</a:t>
+            </a:r>
+            <a:endParaRPr lang="en-US" dirty="0" smtClean="0"/>
+          </a:p>
+          <a:p>
+            <a:pPr lvl="1">
+              <a:buFont typeface="Arial" panose="020B0604020202020204" pitchFamily="34" charset="0"/>
+              <a:buChar char="•"/>
+            </a:pPr>
+            <a:r>
+              <a:rPr lang="en-US" dirty="0" smtClean="0"/>
+              <a:t>Allows you to run code using each element from the array as a value</a:t>
+            </a:r>
+          </a:p>
+          <a:p>
+            <a:r>
+              <a:rPr lang="en-US" dirty="0" smtClean="0"/>
+              <a:t>Syntax:</a:t>
+            </a:r>
+          </a:p>
+          <a:p>
+            <a:r>
+              <a:rPr lang="en-US" dirty="0" err="1" smtClean="0"/>
+              <a:t>var</a:t>
+            </a:r>
+            <a:r>
+              <a:rPr lang="en-US" dirty="0" smtClean="0"/>
+              <a:t> fruits=[“</a:t>
+            </a:r>
+            <a:r>
+              <a:rPr lang="en-US" dirty="0" err="1" smtClean="0"/>
+              <a:t>Banana”,”Apple”,”Pear</a:t>
+            </a:r>
+            <a:r>
+              <a:rPr lang="en-US" dirty="0" smtClean="0"/>
+              <a:t>”]</a:t>
+            </a:r>
+          </a:p>
+          <a:p>
+            <a:r>
+              <a:rPr lang="en-US" dirty="0" err="1" smtClean="0"/>
+              <a:t>fruits.forEach</a:t>
+            </a:r>
+            <a:r>
+              <a:rPr lang="en-US" dirty="0" smtClean="0"/>
+              <a:t>(function(</a:t>
+            </a:r>
+            <a:r>
+              <a:rPr lang="en-US" dirty="0" err="1" smtClean="0"/>
+              <a:t>element,index</a:t>
+            </a:r>
+            <a:r>
+              <a:rPr lang="en-US" dirty="0" smtClean="0"/>
+              <a:t>){</a:t>
+            </a:r>
+          </a:p>
+          <a:p>
+            <a:r>
+              <a:rPr lang="en-US" dirty="0" smtClean="0"/>
+              <a:t>	console.log(</a:t>
+            </a:r>
+            <a:r>
+              <a:rPr lang="en-US" dirty="0" err="1" smtClean="0"/>
+              <a:t>element,index</a:t>
+            </a:r>
+            <a:r>
+              <a:rPr lang="en-US" dirty="0" smtClean="0"/>
+              <a:t>);</a:t>
+            </a:r>
+            <a:endParaRPr lang="en-US" dirty="0"/>
+          </a:p>
+          <a:p>
+            <a:r>
+              <a:rPr lang="en-US" dirty="0" smtClean="0"/>
+              <a:t>});</a:t>
+            </a:r>
+          </a:p>
+          <a:p>
+            <a:endParaRPr lang="en-US" dirty="0" smtClean="0"/>
+          </a:p>
+          <a:p>
+            <a:pPr>
+              <a:buFont typeface="Arial" panose="020B0604020202020204" pitchFamily="34" charset="0"/>
+              <a:buChar char="•"/>
+            </a:pPr>
+            <a:r>
+              <a:rPr lang="en-US" dirty="0" smtClean="0"/>
+              <a:t>Element is the item from the array</a:t>
+            </a:r>
+          </a:p>
+          <a:p>
+            <a:pPr>
+              <a:buFont typeface="Arial" panose="020B0604020202020204" pitchFamily="34" charset="0"/>
+              <a:buChar char="•"/>
+            </a:pPr>
+            <a:r>
+              <a:rPr lang="en-US" dirty="0" smtClean="0"/>
+              <a:t>Index is the item’s position in the array</a:t>
+            </a:r>
+          </a:p>
+          <a:p>
+            <a:pPr>
+              <a:buFont typeface="Arial" panose="020B0604020202020204" pitchFamily="34" charset="0"/>
+              <a:buChar char="•"/>
+            </a:pPr>
+            <a:r>
+              <a:rPr lang="en-US" dirty="0" smtClean="0"/>
+              <a:t>As always, code we want to execute goes between curly braces</a:t>
+            </a:r>
+          </a:p>
+          <a:p>
+            <a:endParaRPr lang="en-US" dirty="0"/>
           </a:p>
         </p:txBody>
       </p:sp>
+    </p:spTree>
+    <p:extLst>
+      <p:ext uri="{BB962C8B-B14F-4D97-AF65-F5344CB8AC3E}">
+        <p14:creationId xmlns:p14="http://schemas.microsoft.com/office/powerpoint/2010/main" val="629600505"/>
+      </p:ext>
+    </p:extLst>
+  </p:cSld>
+  <p:clrMapOvr>
+    <a:masterClrMapping/>
+  </p:clrMapOvr>
+  <p:transition/>
+</p:sld>
+</file>
+
+<file path=ppt/slides/slide7.xml><?xml version="1.0" encoding="utf-8"?>
+<p:sld xmlns:a="http://schemas.openxmlformats.org/drawingml/2006/main" xmlns:r="http://schemas.openxmlformats.org/officeDocument/2006/relationships" xmlns:p="http://schemas.openxmlformats.org/presentationml/2006/main">
+  <p:cSld>
+    <p:spTree>
+      <p:nvGrpSpPr>
+        <p:cNvPr id="1" name=""/>
+        <p:cNvGrpSpPr/>
+        <p:nvPr/>
+      </p:nvGrpSpPr>
+      <p:grpSpPr>
+        <a:xfrm>
+          <a:off x="0" y="0"/>
+          <a:ext cx="0" cy="0"/>
+          <a:chOff x="0" y="0"/>
+          <a:chExt cx="0" cy="0"/>
+        </a:xfrm>
+      </p:grpSpPr>
       <p:sp>
         <p:nvSpPr>
-          <p:cNvPr id="28676" name="Rectangle 3"/>
+          <p:cNvPr id="2" name="Title 1"/>
           <p:cNvSpPr>
-            <a:spLocks/>
+            <a:spLocks noGrp="1"/>
           </p:cNvSpPr>
-          <p:nvPr/>
+          <p:nvPr>
+            <p:ph type="title"/>
+          </p:nvPr>
         </p:nvSpPr>
-        <p:spPr bwMode="auto">
+        <p:spPr>
           <a:xfrm>
-            <a:off x="446502" y="695739"/>
-            <a:ext cx="5432448" cy="397565"/>
+            <a:off x="457200" y="228600"/>
+            <a:ext cx="8247894" cy="1242391"/>
           </a:xfrm>
-          <a:prstGeom prst="rect">
-            <a:avLst/>
-          </a:prstGeom>
-          <a:noFill/>
-          <a:ln>
-            <a:noFill/>
-          </a:ln>
-          <a:extLst>
-            <a:ext uri="{909E8E84-426E-40DD-AFC4-6F175D3DCCD1}">
-              <a14:hiddenFill xmlns:a14="http://schemas.microsoft.com/office/drawing/2010/main">
-                <a:solidFill>
-                  <a:srgbClr val="FFFFFF"/>
-                </a:solidFill>
-              </a14:hiddenFill>
-            </a:ext>
-            <a:ext uri="{91240B29-F687-4F45-9708-019B960494DF}">
-              <a14:hiddenLine xmlns:a14="http://schemas.microsoft.com/office/drawing/2010/main" w="12700" cap="rnd">
-                <a:solidFill>
-                  <a:schemeClr val="tx1"/>
-                </a:solidFill>
-                <a:round/>
-                <a:headEnd/>
-                <a:tailEnd/>
-              </a14:hiddenLine>
-            </a:ext>
-          </a:extLst>
         </p:spPr>
         <p:txBody>
-          <a:bodyPr lIns="0" tIns="0" rIns="0" bIns="0"/>
-          <a:lstStyle>
-            <a:lvl1pPr eaLnBrk="0" hangingPunct="0">
-              <a:defRPr sz="4000">
-                <a:solidFill>
-                  <a:srgbClr val="000000"/>
-                </a:solidFill>
-                <a:latin typeface="Gill Sans" charset="0"/>
-                <a:ea typeface="ヒラギノ角ゴ ProN W3" charset="0"/>
-                <a:cs typeface="ヒラギノ角ゴ ProN W3" charset="0"/>
-                <a:sym typeface="Gill Sans" charset="0"/>
-              </a:defRPr>
-            </a:lvl1pPr>
-            <a:lvl2pPr marL="742950" indent="-285750" eaLnBrk="0" hangingPunct="0">
-              <a:defRPr sz="4000">
-                <a:solidFill>
-                  <a:srgbClr val="000000"/>
-                </a:solidFill>
-                <a:latin typeface="Gill Sans" charset="0"/>
-                <a:ea typeface="ヒラギノ角ゴ ProN W3" charset="0"/>
-                <a:cs typeface="ヒラギノ角ゴ ProN W3" charset="0"/>
-                <a:sym typeface="Gill Sans" charset="0"/>
-              </a:defRPr>
-            </a:lvl2pPr>
-            <a:lvl3pPr marL="1143000" indent="-228600" eaLnBrk="0" hangingPunct="0">
-              <a:defRPr sz="4000">
-                <a:solidFill>
-                  <a:srgbClr val="000000"/>
-                </a:solidFill>
-                <a:latin typeface="Gill Sans" charset="0"/>
-                <a:ea typeface="ヒラギノ角ゴ ProN W3" charset="0"/>
-                <a:cs typeface="ヒラギノ角ゴ ProN W3" charset="0"/>
-                <a:sym typeface="Gill Sans" charset="0"/>
-              </a:defRPr>
-            </a:lvl3pPr>
-            <a:lvl4pPr marL="1600200" indent="-228600" eaLnBrk="0" hangingPunct="0">
-              <a:defRPr sz="4000">
-                <a:solidFill>
-                  <a:srgbClr val="000000"/>
-                </a:solidFill>
-                <a:latin typeface="Gill Sans" charset="0"/>
-                <a:ea typeface="ヒラギノ角ゴ ProN W3" charset="0"/>
-                <a:cs typeface="ヒラギノ角ゴ ProN W3" charset="0"/>
-                <a:sym typeface="Gill Sans" charset="0"/>
-              </a:defRPr>
-            </a:lvl4pPr>
-            <a:lvl5pPr marL="2057400" indent="-228600" eaLnBrk="0" hangingPunct="0">
-              <a:defRPr sz="4000">
-                <a:solidFill>
-                  <a:srgbClr val="000000"/>
-                </a:solidFill>
-                <a:latin typeface="Gill Sans" charset="0"/>
-                <a:ea typeface="ヒラギノ角ゴ ProN W3" charset="0"/>
-                <a:cs typeface="ヒラギノ角ゴ ProN W3" charset="0"/>
-                <a:sym typeface="Gill Sans" charset="0"/>
-              </a:defRPr>
-            </a:lvl5pPr>
-            <a:lvl6pPr marL="2514600" indent="-228600" algn="ctr" eaLnBrk="0" fontAlgn="base" hangingPunct="0">
-              <a:spcBef>
-                <a:spcPct val="0"/>
-              </a:spcBef>
-              <a:spcAft>
-                <a:spcPct val="0"/>
-              </a:spcAft>
-              <a:defRPr sz="4000">
-                <a:solidFill>
-                  <a:srgbClr val="000000"/>
-                </a:solidFill>
-                <a:latin typeface="Gill Sans" charset="0"/>
-                <a:ea typeface="ヒラギノ角ゴ ProN W3" charset="0"/>
-                <a:cs typeface="ヒラギノ角ゴ ProN W3" charset="0"/>
-                <a:sym typeface="Gill Sans" charset="0"/>
-              </a:defRPr>
-            </a:lvl6pPr>
-            <a:lvl7pPr marL="2971800" indent="-228600" algn="ctr" eaLnBrk="0" fontAlgn="base" hangingPunct="0">
-              <a:spcBef>
-                <a:spcPct val="0"/>
-              </a:spcBef>
-              <a:spcAft>
-                <a:spcPct val="0"/>
-              </a:spcAft>
-              <a:defRPr sz="4000">
-                <a:solidFill>
-                  <a:srgbClr val="000000"/>
-                </a:solidFill>
-                <a:latin typeface="Gill Sans" charset="0"/>
-                <a:ea typeface="ヒラギノ角ゴ ProN W3" charset="0"/>
-                <a:cs typeface="ヒラギノ角ゴ ProN W3" charset="0"/>
-                <a:sym typeface="Gill Sans" charset="0"/>
-              </a:defRPr>
-            </a:lvl7pPr>
-            <a:lvl8pPr marL="3429000" indent="-228600" algn="ctr" eaLnBrk="0" fontAlgn="base" hangingPunct="0">
-              <a:spcBef>
-                <a:spcPct val="0"/>
-              </a:spcBef>
-              <a:spcAft>
-                <a:spcPct val="0"/>
-              </a:spcAft>
-              <a:defRPr sz="4000">
-                <a:solidFill>
-                  <a:srgbClr val="000000"/>
-                </a:solidFill>
-                <a:latin typeface="Gill Sans" charset="0"/>
-                <a:ea typeface="ヒラギノ角ゴ ProN W3" charset="0"/>
-                <a:cs typeface="ヒラギノ角ゴ ProN W3" charset="0"/>
-                <a:sym typeface="Gill Sans" charset="0"/>
-              </a:defRPr>
-            </a:lvl8pPr>
-            <a:lvl9pPr marL="3886200" indent="-228600" algn="ctr" eaLnBrk="0" fontAlgn="base" hangingPunct="0">
-              <a:spcBef>
-                <a:spcPct val="0"/>
-              </a:spcBef>
-              <a:spcAft>
-                <a:spcPct val="0"/>
-              </a:spcAft>
-              <a:defRPr sz="4000">
-                <a:solidFill>
-                  <a:srgbClr val="000000"/>
-                </a:solidFill>
-                <a:latin typeface="Gill Sans" charset="0"/>
-                <a:ea typeface="ヒラギノ角ゴ ProN W3" charset="0"/>
-                <a:cs typeface="ヒラギノ角ゴ ProN W3" charset="0"/>
-                <a:sym typeface="Gill Sans" charset="0"/>
-              </a:defRPr>
-            </a:lvl9pPr>
-          </a:lstStyle>
-          <a:p>
-            <a:pPr eaLnBrk="1" fontAlgn="base" hangingPunct="1">
-              <a:spcBef>
-                <a:spcPct val="0"/>
-              </a:spcBef>
-              <a:spcAft>
-                <a:spcPct val="0"/>
-              </a:spcAft>
-            </a:pPr>
-            <a:r>
-              <a:rPr lang="en-US" altLang="en-US" sz="2200" b="1">
-                <a:latin typeface="Lucida Grande" charset="0"/>
-                <a:ea typeface="Lucida Grande" charset="0"/>
-                <a:cs typeface="Lucida Grande" charset="0"/>
-                <a:sym typeface="Lucida Grande" charset="0"/>
-              </a:rPr>
-              <a:t>LOOPS &amp; ARRAYS</a:t>
-            </a:r>
+          <a:bodyPr/>
+          <a:lstStyle/>
+          <a:p>
+            <a:r>
+              <a:rPr lang="en-US" dirty="0" smtClean="0"/>
+              <a:t>More info</a:t>
+            </a:r>
+            <a:endParaRPr lang="en-US" dirty="0"/>
           </a:p>
         </p:txBody>
       </p:sp>
@@ -5895,18 +5742,13 @@
         <p:nvSpPr>
           <p:cNvPr id="28677" name="Rectangle 4"/>
           <p:cNvSpPr>
-            <a:spLocks noChangeArrowheads="1"/>
+            <a:spLocks noGrp="1" noChangeArrowheads="1"/>
           </p:cNvSpPr>
           <p:nvPr>
-            <p:ph type="body" idx="1"/>
+            <p:ph idx="1"/>
           </p:nvPr>
         </p:nvSpPr>
-        <p:spPr>
-          <a:xfrm>
-            <a:off x="443403" y="1341784"/>
-            <a:ext cx="8221539" cy="5267739"/>
-          </a:xfrm>
-        </p:spPr>
+        <p:spPr/>
         <p:txBody>
           <a:bodyPr rIns="65828"/>
           <a:lstStyle/>
@@ -5960,199 +5802,6 @@
                 <a:srgbClr val="009999"/>
               </a:solidFill>
             </a:endParaRPr>
-          </a:p>
-        </p:txBody>
-      </p:sp>
-      <p:sp>
-        <p:nvSpPr>
-          <p:cNvPr id="28678" name="Rectangle 5"/>
-          <p:cNvSpPr>
-            <a:spLocks/>
-          </p:cNvSpPr>
-          <p:nvPr/>
-        </p:nvSpPr>
-        <p:spPr bwMode="auto">
-          <a:xfrm>
-            <a:off x="8315295" y="747047"/>
-            <a:ext cx="393056" cy="294953"/>
-          </a:xfrm>
-          <a:prstGeom prst="rect">
-            <a:avLst/>
-          </a:prstGeom>
-          <a:noFill/>
-          <a:ln>
-            <a:noFill/>
-          </a:ln>
-          <a:extLst>
-            <a:ext uri="{909E8E84-426E-40DD-AFC4-6F175D3DCCD1}">
-              <a14:hiddenFill xmlns:a14="http://schemas.microsoft.com/office/drawing/2010/main">
-                <a:solidFill>
-                  <a:srgbClr val="FFFFFF"/>
-                </a:solidFill>
-              </a14:hiddenFill>
-            </a:ext>
-            <a:ext uri="{91240B29-F687-4F45-9708-019B960494DF}">
-              <a14:hiddenLine xmlns:a14="http://schemas.microsoft.com/office/drawing/2010/main" w="12700">
-                <a:solidFill>
-                  <a:schemeClr val="tx1"/>
-                </a:solidFill>
-                <a:miter lim="800000"/>
-                <a:headEnd/>
-                <a:tailEnd/>
-              </a14:hiddenLine>
-            </a:ext>
-          </a:extLst>
-        </p:spPr>
-        <p:txBody>
-          <a:bodyPr wrap="none" lIns="0" tIns="0" rIns="0" bIns="0" anchor="ctr">
-            <a:spAutoFit/>
-          </a:bodyPr>
-          <a:lstStyle>
-            <a:lvl1pPr marL="65088" eaLnBrk="0" hangingPunct="0">
-              <a:defRPr sz="4000">
-                <a:solidFill>
-                  <a:srgbClr val="000000"/>
-                </a:solidFill>
-                <a:latin typeface="Gill Sans" charset="0"/>
-                <a:ea typeface="ヒラギノ角ゴ ProN W3" charset="0"/>
-                <a:cs typeface="ヒラギノ角ゴ ProN W3" charset="0"/>
-                <a:sym typeface="Gill Sans" charset="0"/>
-              </a:defRPr>
-            </a:lvl1pPr>
-            <a:lvl2pPr marL="742950" indent="-285750" eaLnBrk="0" hangingPunct="0">
-              <a:defRPr sz="4000">
-                <a:solidFill>
-                  <a:srgbClr val="000000"/>
-                </a:solidFill>
-                <a:latin typeface="Gill Sans" charset="0"/>
-                <a:ea typeface="ヒラギノ角ゴ ProN W3" charset="0"/>
-                <a:cs typeface="ヒラギノ角ゴ ProN W3" charset="0"/>
-                <a:sym typeface="Gill Sans" charset="0"/>
-              </a:defRPr>
-            </a:lvl2pPr>
-            <a:lvl3pPr marL="1143000" indent="-228600" eaLnBrk="0" hangingPunct="0">
-              <a:defRPr sz="4000">
-                <a:solidFill>
-                  <a:srgbClr val="000000"/>
-                </a:solidFill>
-                <a:latin typeface="Gill Sans" charset="0"/>
-                <a:ea typeface="ヒラギノ角ゴ ProN W3" charset="0"/>
-                <a:cs typeface="ヒラギノ角ゴ ProN W3" charset="0"/>
-                <a:sym typeface="Gill Sans" charset="0"/>
-              </a:defRPr>
-            </a:lvl3pPr>
-            <a:lvl4pPr marL="1600200" indent="-228600" eaLnBrk="0" hangingPunct="0">
-              <a:defRPr sz="4000">
-                <a:solidFill>
-                  <a:srgbClr val="000000"/>
-                </a:solidFill>
-                <a:latin typeface="Gill Sans" charset="0"/>
-                <a:ea typeface="ヒラギノ角ゴ ProN W3" charset="0"/>
-                <a:cs typeface="ヒラギノ角ゴ ProN W3" charset="0"/>
-                <a:sym typeface="Gill Sans" charset="0"/>
-              </a:defRPr>
-            </a:lvl4pPr>
-            <a:lvl5pPr marL="2057400" indent="-228600" eaLnBrk="0" hangingPunct="0">
-              <a:defRPr sz="4000">
-                <a:solidFill>
-                  <a:srgbClr val="000000"/>
-                </a:solidFill>
-                <a:latin typeface="Gill Sans" charset="0"/>
-                <a:ea typeface="ヒラギノ角ゴ ProN W3" charset="0"/>
-                <a:cs typeface="ヒラギノ角ゴ ProN W3" charset="0"/>
-                <a:sym typeface="Gill Sans" charset="0"/>
-              </a:defRPr>
-            </a:lvl5pPr>
-            <a:lvl6pPr marL="2514600" indent="-228600" algn="ctr" eaLnBrk="0" fontAlgn="base" hangingPunct="0">
-              <a:spcBef>
-                <a:spcPct val="0"/>
-              </a:spcBef>
-              <a:spcAft>
-                <a:spcPct val="0"/>
-              </a:spcAft>
-              <a:defRPr sz="4000">
-                <a:solidFill>
-                  <a:srgbClr val="000000"/>
-                </a:solidFill>
-                <a:latin typeface="Gill Sans" charset="0"/>
-                <a:ea typeface="ヒラギノ角ゴ ProN W3" charset="0"/>
-                <a:cs typeface="ヒラギノ角ゴ ProN W3" charset="0"/>
-                <a:sym typeface="Gill Sans" charset="0"/>
-              </a:defRPr>
-            </a:lvl6pPr>
-            <a:lvl7pPr marL="2971800" indent="-228600" algn="ctr" eaLnBrk="0" fontAlgn="base" hangingPunct="0">
-              <a:spcBef>
-                <a:spcPct val="0"/>
-              </a:spcBef>
-              <a:spcAft>
-                <a:spcPct val="0"/>
-              </a:spcAft>
-              <a:defRPr sz="4000">
-                <a:solidFill>
-                  <a:srgbClr val="000000"/>
-                </a:solidFill>
-                <a:latin typeface="Gill Sans" charset="0"/>
-                <a:ea typeface="ヒラギノ角ゴ ProN W3" charset="0"/>
-                <a:cs typeface="ヒラギノ角ゴ ProN W3" charset="0"/>
-                <a:sym typeface="Gill Sans" charset="0"/>
-              </a:defRPr>
-            </a:lvl7pPr>
-            <a:lvl8pPr marL="3429000" indent="-228600" algn="ctr" eaLnBrk="0" fontAlgn="base" hangingPunct="0">
-              <a:spcBef>
-                <a:spcPct val="0"/>
-              </a:spcBef>
-              <a:spcAft>
-                <a:spcPct val="0"/>
-              </a:spcAft>
-              <a:defRPr sz="4000">
-                <a:solidFill>
-                  <a:srgbClr val="000000"/>
-                </a:solidFill>
-                <a:latin typeface="Gill Sans" charset="0"/>
-                <a:ea typeface="ヒラギノ角ゴ ProN W3" charset="0"/>
-                <a:cs typeface="ヒラギノ角ゴ ProN W3" charset="0"/>
-                <a:sym typeface="Gill Sans" charset="0"/>
-              </a:defRPr>
-            </a:lvl8pPr>
-            <a:lvl9pPr marL="3886200" indent="-228600" algn="ctr" eaLnBrk="0" fontAlgn="base" hangingPunct="0">
-              <a:spcBef>
-                <a:spcPct val="0"/>
-              </a:spcBef>
-              <a:spcAft>
-                <a:spcPct val="0"/>
-              </a:spcAft>
-              <a:defRPr sz="4000">
-                <a:solidFill>
-                  <a:srgbClr val="000000"/>
-                </a:solidFill>
-                <a:latin typeface="Gill Sans" charset="0"/>
-                <a:ea typeface="ヒラギノ角ゴ ProN W3" charset="0"/>
-                <a:cs typeface="ヒラギノ角ゴ ProN W3" charset="0"/>
-                <a:sym typeface="Gill Sans" charset="0"/>
-              </a:defRPr>
-            </a:lvl9pPr>
-          </a:lstStyle>
-          <a:p>
-            <a:pPr algn="r" eaLnBrk="1" fontAlgn="base" hangingPunct="1">
-              <a:lnSpc>
-                <a:spcPts val="2300"/>
-              </a:lnSpc>
-              <a:spcBef>
-                <a:spcPct val="0"/>
-              </a:spcBef>
-              <a:spcAft>
-                <a:spcPct val="0"/>
-              </a:spcAft>
-            </a:pPr>
-            <a:r>
-              <a:rPr lang="en-US" altLang="en-US" sz="2300" b="1">
-                <a:latin typeface="Lucida Grande" charset="0"/>
-                <a:ea typeface="Lucida Grande" charset="0"/>
-                <a:cs typeface="Lucida Grande" charset="0"/>
-                <a:sym typeface="Lucida Grande" charset="0"/>
-              </a:rPr>
-              <a:t>32</a:t>
-            </a:r>
           </a:p>
         </p:txBody>
       </p:sp>
@@ -6160,6 +5809,121 @@
     <p:extLst>
       <p:ext uri="{BB962C8B-B14F-4D97-AF65-F5344CB8AC3E}">
         <p14:creationId xmlns:p14="http://schemas.microsoft.com/office/powerpoint/2010/main" val="1289059934"/>
+      </p:ext>
+    </p:extLst>
+  </p:cSld>
+  <p:clrMapOvr>
+    <a:masterClrMapping/>
+  </p:clrMapOvr>
+  <p:transition/>
+</p:sld>
+</file>
+
+<file path=ppt/slides/slide8.xml><?xml version="1.0" encoding="utf-8"?>
+<p:sld xmlns:a="http://schemas.openxmlformats.org/drawingml/2006/main" xmlns:r="http://schemas.openxmlformats.org/officeDocument/2006/relationships" xmlns:p="http://schemas.openxmlformats.org/presentationml/2006/main">
+  <p:cSld>
+    <p:spTree>
+      <p:nvGrpSpPr>
+        <p:cNvPr id="1" name=""/>
+        <p:cNvGrpSpPr/>
+        <p:nvPr/>
+      </p:nvGrpSpPr>
+      <p:grpSpPr>
+        <a:xfrm>
+          <a:off x="0" y="0"/>
+          <a:ext cx="0" cy="0"/>
+          <a:chOff x="0" y="0"/>
+          <a:chExt cx="0" cy="0"/>
+        </a:xfrm>
+      </p:grpSpPr>
+      <p:sp>
+        <p:nvSpPr>
+          <p:cNvPr id="5" name="Title 4"/>
+          <p:cNvSpPr>
+            <a:spLocks noGrp="1"/>
+          </p:cNvSpPr>
+          <p:nvPr>
+            <p:ph type="ctrTitle"/>
+          </p:nvPr>
+        </p:nvSpPr>
+        <p:spPr/>
+        <p:txBody>
+          <a:bodyPr/>
+          <a:lstStyle/>
+          <a:p>
+            <a:pPr algn="ctr"/>
+            <a:r>
+              <a:rPr lang="en-US" dirty="0" smtClean="0"/>
+              <a:t>Exercise</a:t>
+            </a:r>
+            <a:endParaRPr lang="en-US" dirty="0"/>
+          </a:p>
+        </p:txBody>
+      </p:sp>
+      <p:sp>
+        <p:nvSpPr>
+          <p:cNvPr id="6" name="Subtitle 5"/>
+          <p:cNvSpPr>
+            <a:spLocks noGrp="1"/>
+          </p:cNvSpPr>
+          <p:nvPr>
+            <p:ph type="subTitle" idx="1"/>
+          </p:nvPr>
+        </p:nvSpPr>
+        <p:spPr/>
+        <p:txBody>
+          <a:bodyPr/>
+          <a:lstStyle/>
+          <a:p>
+            <a:r>
+              <a:rPr lang="en-US" smtClean="0"/>
+              <a:t>COA_ForEach</a:t>
+            </a:r>
+            <a:endParaRPr lang="en-US"/>
+          </a:p>
+        </p:txBody>
+      </p:sp>
+      <p:sp>
+        <p:nvSpPr>
+          <p:cNvPr id="4" name="Slide Number Placeholder 3"/>
+          <p:cNvSpPr>
+            <a:spLocks noGrp="1"/>
+          </p:cNvSpPr>
+          <p:nvPr>
+            <p:ph type="sldNum" sz="quarter" idx="10"/>
+          </p:nvPr>
+        </p:nvSpPr>
+        <p:spPr/>
+        <p:txBody>
+          <a:bodyPr/>
+          <a:lstStyle/>
+          <a:p>
+            <a:pPr>
+              <a:defRPr/>
+            </a:pPr>
+            <a:fld id="{2243A137-EFED-4DC0-B593-200EA3776B5D}" type="slidenum">
+              <a:rPr lang="en-US" smtClean="0">
+                <a:solidFill>
+                  <a:srgbClr val="000000"/>
+                </a:solidFill>
+              </a:rPr>
+              <a:pPr>
+                <a:defRPr/>
+              </a:pPr>
+              <a:t>8</a:t>
+            </a:fld>
+            <a:endParaRPr lang="en-US">
+              <a:solidFill>
+                <a:srgbClr val="000000"/>
+              </a:solidFill>
+            </a:endParaRPr>
+          </a:p>
+        </p:txBody>
+      </p:sp>
+    </p:spTree>
+    <p:extLst>
+      <p:ext uri="{BB962C8B-B14F-4D97-AF65-F5344CB8AC3E}">
+        <p14:creationId xmlns:p14="http://schemas.microsoft.com/office/powerpoint/2010/main" val="3357796938"/>
       </p:ext>
     </p:extLst>
   </p:cSld>

--- a/Week_05_DRY/09_Lab_Session/arrays/slides/arrays.pptx
+++ b/Week_05_DRY/09_Lab_Session/arrays/slides/arrays.pptx
@@ -5879,7 +5879,6 @@
               <a:rPr lang="en-US" smtClean="0"/>
               <a:t>COA_ForEach</a:t>
             </a:r>
-            <a:endParaRPr lang="en-US"/>
           </a:p>
         </p:txBody>
       </p:sp>
